--- a/Дискорд_Бот.pptx
+++ b/Дискорд_Бот.pptx
@@ -6,13 +6,14 @@
   </p:sldMasterIdLst>
   <p:sldIdLst>
     <p:sldId id="256" r:id="rId2"/>
-    <p:sldId id="258" r:id="rId3"/>
-    <p:sldId id="259" r:id="rId4"/>
-    <p:sldId id="260" r:id="rId5"/>
-    <p:sldId id="261" r:id="rId6"/>
-    <p:sldId id="262" r:id="rId7"/>
-    <p:sldId id="263" r:id="rId8"/>
-    <p:sldId id="265" r:id="rId9"/>
+    <p:sldId id="266" r:id="rId3"/>
+    <p:sldId id="258" r:id="rId4"/>
+    <p:sldId id="259" r:id="rId5"/>
+    <p:sldId id="260" r:id="rId6"/>
+    <p:sldId id="261" r:id="rId7"/>
+    <p:sldId id="262" r:id="rId8"/>
+    <p:sldId id="263" r:id="rId9"/>
+    <p:sldId id="265" r:id="rId10"/>
   </p:sldIdLst>
   <p:sldSz cx="12192000" cy="6858000"/>
   <p:notesSz cx="6858000" cy="9144000"/>
@@ -111,6 +112,11 @@
       </a:defRPr>
     </a:lvl9pPr>
   </p:defaultTextStyle>
+  <p:extLst>
+    <p:ext uri="{EFAFB233-063F-42B5-8137-9DF3F51BA10A}">
+      <p15:sldGuideLst xmlns:p15="http://schemas.microsoft.com/office/powerpoint/2012/main"/>
+    </p:ext>
+  </p:extLst>
 </p:presentation>
 </file>
 
@@ -6049,6 +6055,246 @@
           <p:cNvPr id="2" name="Заголовок 1">
             <a:extLst>
               <a:ext uri="{FF2B5EF4-FFF2-40B4-BE49-F238E27FC236}">
+                <a16:creationId xmlns:a16="http://schemas.microsoft.com/office/drawing/2014/main" id="{358A24C2-210E-4251-AD56-8F520216A147}"/>
+              </a:ext>
+            </a:extLst>
+          </p:cNvPr>
+          <p:cNvSpPr>
+            <a:spLocks noGrp="1"/>
+          </p:cNvSpPr>
+          <p:nvPr>
+            <p:ph type="title"/>
+          </p:nvPr>
+        </p:nvSpPr>
+        <p:spPr/>
+        <p:txBody>
+          <a:bodyPr/>
+          <a:lstStyle/>
+          <a:p>
+            <a:r>
+              <a:rPr lang="ru-RU" b="1" i="0" dirty="0">
+                <a:effectLst/>
+                <a:latin typeface="-apple-system"/>
+              </a:rPr>
+              <a:t>Используемые технологии</a:t>
+            </a:r>
+            <a:br>
+              <a:rPr lang="ru-RU" b="1" i="0" dirty="0">
+                <a:effectLst/>
+                <a:latin typeface="-apple-system"/>
+              </a:rPr>
+            </a:br>
+            <a:r>
+              <a:rPr lang="ru-RU" dirty="0"/>
+              <a:t>		</a:t>
+            </a:r>
+          </a:p>
+        </p:txBody>
+      </p:sp>
+      <p:sp>
+        <p:nvSpPr>
+          <p:cNvPr id="3" name="Объект 2">
+            <a:extLst>
+              <a:ext uri="{FF2B5EF4-FFF2-40B4-BE49-F238E27FC236}">
+                <a16:creationId xmlns:a16="http://schemas.microsoft.com/office/drawing/2014/main" id="{19600EE4-AD67-4880-AF5D-0759B80AD7E3}"/>
+              </a:ext>
+            </a:extLst>
+          </p:cNvPr>
+          <p:cNvSpPr>
+            <a:spLocks noGrp="1"/>
+          </p:cNvSpPr>
+          <p:nvPr>
+            <p:ph idx="1"/>
+          </p:nvPr>
+        </p:nvSpPr>
+        <p:spPr/>
+        <p:txBody>
+          <a:bodyPr>
+            <a:normAutofit lnSpcReduction="10000"/>
+          </a:bodyPr>
+          <a:lstStyle/>
+          <a:p>
+            <a:pPr algn="l"/>
+            <a:r>
+              <a:rPr lang="ru-RU" b="1" i="0" dirty="0">
+                <a:effectLst/>
+                <a:latin typeface="-apple-system"/>
+              </a:rPr>
+              <a:t>Фреймворк для работы с </a:t>
+            </a:r>
+            <a:r>
+              <a:rPr lang="ru-RU" b="1" i="0" dirty="0" err="1">
+                <a:effectLst/>
+                <a:latin typeface="-apple-system"/>
+              </a:rPr>
+              <a:t>дискордом</a:t>
+            </a:r>
+            <a:r>
+              <a:rPr lang="ru-RU" b="1" i="0" dirty="0">
+                <a:effectLst/>
+                <a:latin typeface="-apple-system"/>
+              </a:rPr>
+              <a:t> </a:t>
+            </a:r>
+            <a:r>
+              <a:rPr lang="ru-RU" b="1" i="0" dirty="0" err="1">
+                <a:effectLst/>
+                <a:latin typeface="-apple-system"/>
+              </a:rPr>
+              <a:t>Disnake</a:t>
+            </a:r>
+            <a:endParaRPr lang="ru-RU" b="1" i="0" dirty="0">
+              <a:effectLst/>
+              <a:latin typeface="-apple-system"/>
+            </a:endParaRPr>
+          </a:p>
+          <a:p>
+            <a:pPr algn="l"/>
+            <a:br>
+              <a:rPr lang="ru-RU" dirty="0"/>
+            </a:br>
+            <a:r>
+              <a:rPr lang="ru-RU" b="1" i="0" dirty="0">
+                <a:effectLst/>
+                <a:latin typeface="-apple-system"/>
+              </a:rPr>
+              <a:t>Асинхронное программирование</a:t>
+            </a:r>
+          </a:p>
+          <a:p>
+            <a:pPr algn="l"/>
+            <a:br>
+              <a:rPr lang="ru-RU" dirty="0"/>
+            </a:br>
+            <a:r>
+              <a:rPr lang="ru-RU" b="1" i="0" dirty="0">
+                <a:effectLst/>
+                <a:latin typeface="-apple-system"/>
+              </a:rPr>
+              <a:t>ООП подход для реализации слэш команд</a:t>
+            </a:r>
+          </a:p>
+          <a:p>
+            <a:pPr algn="l"/>
+            <a:br>
+              <a:rPr lang="ru-RU" dirty="0"/>
+            </a:br>
+            <a:r>
+              <a:rPr lang="ru-RU" b="1" i="0" dirty="0">
+                <a:effectLst/>
+                <a:latin typeface="-apple-system"/>
+              </a:rPr>
+              <a:t>Стороннее API для осуществления работы с </a:t>
+            </a:r>
+            <a:r>
+              <a:rPr lang="ru-RU" b="1" i="0" dirty="0" err="1">
+                <a:effectLst/>
+                <a:latin typeface="-apple-system"/>
+              </a:rPr>
+              <a:t>Chat</a:t>
+            </a:r>
+            <a:r>
+              <a:rPr lang="ru-RU" b="1" i="0" dirty="0">
+                <a:effectLst/>
+                <a:latin typeface="-apple-system"/>
+              </a:rPr>
+              <a:t> GPT </a:t>
+            </a:r>
+            <a:r>
+              <a:rPr lang="ru-RU" b="1" i="0" dirty="0" err="1">
+                <a:effectLst/>
+                <a:latin typeface="-apple-system"/>
+              </a:rPr>
+              <a:t>language</a:t>
+            </a:r>
+            <a:r>
+              <a:rPr lang="ru-RU" b="1" i="0" dirty="0">
+                <a:effectLst/>
+                <a:latin typeface="-apple-system"/>
+              </a:rPr>
+              <a:t> </a:t>
+            </a:r>
+            <a:r>
+              <a:rPr lang="ru-RU" b="1" i="0" dirty="0" err="1">
+                <a:effectLst/>
+                <a:latin typeface="-apple-system"/>
+              </a:rPr>
+              <a:t>model</a:t>
+            </a:r>
+            <a:r>
+              <a:rPr lang="ru-RU" b="1" i="0" dirty="0">
+                <a:effectLst/>
+                <a:latin typeface="-apple-system"/>
+              </a:rPr>
+              <a:t> v3.5</a:t>
+            </a:r>
+          </a:p>
+          <a:p>
+            <a:pPr algn="l"/>
+            <a:br>
+              <a:rPr lang="ru-RU" dirty="0"/>
+            </a:br>
+            <a:r>
+              <a:rPr lang="ru-RU" b="1" i="0" dirty="0">
+                <a:effectLst/>
+                <a:latin typeface="-apple-system"/>
+              </a:rPr>
+              <a:t>Базы данных SQL</a:t>
+            </a:r>
+          </a:p>
+          <a:p>
+            <a:pPr algn="l"/>
+            <a:br>
+              <a:rPr lang="ru-RU" dirty="0"/>
+            </a:br>
+            <a:r>
+              <a:rPr lang="ru-RU" b="1" i="0" dirty="0">
+                <a:effectLst/>
+                <a:latin typeface="-apple-system"/>
+              </a:rPr>
+              <a:t>Работа с изображениями и файлами</a:t>
+            </a:r>
+          </a:p>
+          <a:p>
+            <a:endParaRPr lang="ru-RU" dirty="0"/>
+          </a:p>
+        </p:txBody>
+      </p:sp>
+    </p:spTree>
+    <p:extLst>
+      <p:ext uri="{BB962C8B-B14F-4D97-AF65-F5344CB8AC3E}">
+        <p14:creationId xmlns:p14="http://schemas.microsoft.com/office/powerpoint/2010/main" val="819264573"/>
+      </p:ext>
+    </p:extLst>
+  </p:cSld>
+  <p:clrMapOvr>
+    <a:masterClrMapping/>
+  </p:clrMapOvr>
+</p:sld>
+</file>
+
+<file path=ppt/slides/slide3.xml><?xml version="1.0" encoding="utf-8"?>
+<p:sld xmlns:a="http://schemas.openxmlformats.org/drawingml/2006/main" xmlns:r="http://schemas.openxmlformats.org/officeDocument/2006/relationships" xmlns:p="http://schemas.openxmlformats.org/presentationml/2006/main">
+  <p:cSld>
+    <p:spTree>
+      <p:nvGrpSpPr>
+        <p:cNvPr id="1" name=""/>
+        <p:cNvGrpSpPr/>
+        <p:nvPr/>
+      </p:nvGrpSpPr>
+      <p:grpSpPr>
+        <a:xfrm>
+          <a:off x="0" y="0"/>
+          <a:ext cx="0" cy="0"/>
+          <a:chOff x="0" y="0"/>
+          <a:chExt cx="0" cy="0"/>
+        </a:xfrm>
+      </p:grpSpPr>
+      <p:sp>
+        <p:nvSpPr>
+          <p:cNvPr id="2" name="Заголовок 1">
+            <a:extLst>
+              <a:ext uri="{FF2B5EF4-FFF2-40B4-BE49-F238E27FC236}">
                 <a16:creationId xmlns:a16="http://schemas.microsoft.com/office/drawing/2014/main" id="{DAF830FC-2DAB-4CFD-939F-04FA45D10A83}"/>
               </a:ext>
             </a:extLst>
@@ -6154,7 +6400,7 @@
 </p:sld>
 </file>
 
-<file path=ppt/slides/slide3.xml><?xml version="1.0" encoding="utf-8"?>
+<file path=ppt/slides/slide4.xml><?xml version="1.0" encoding="utf-8"?>
 <p:sld xmlns:a="http://schemas.openxmlformats.org/drawingml/2006/main" xmlns:r="http://schemas.openxmlformats.org/officeDocument/2006/relationships" xmlns:p="http://schemas.openxmlformats.org/presentationml/2006/main">
   <p:cSld>
     <p:spTree>
@@ -6302,7 +6548,7 @@
 </p:sld>
 </file>
 
-<file path=ppt/slides/slide4.xml><?xml version="1.0" encoding="utf-8"?>
+<file path=ppt/slides/slide5.xml><?xml version="1.0" encoding="utf-8"?>
 <p:sld xmlns:a="http://schemas.openxmlformats.org/drawingml/2006/main" xmlns:r="http://schemas.openxmlformats.org/officeDocument/2006/relationships" xmlns:p="http://schemas.openxmlformats.org/presentationml/2006/main">
   <p:cSld>
     <p:spTree>
@@ -6392,7 +6638,7 @@
 </p:sld>
 </file>
 
-<file path=ppt/slides/slide5.xml><?xml version="1.0" encoding="utf-8"?>
+<file path=ppt/slides/slide6.xml><?xml version="1.0" encoding="utf-8"?>
 <p:sld xmlns:a="http://schemas.openxmlformats.org/drawingml/2006/main" xmlns:r="http://schemas.openxmlformats.org/officeDocument/2006/relationships" xmlns:p="http://schemas.openxmlformats.org/presentationml/2006/main">
   <p:cSld>
     <p:spTree>
@@ -6542,7 +6788,7 @@
 </p:sld>
 </file>
 
-<file path=ppt/slides/slide6.xml><?xml version="1.0" encoding="utf-8"?>
+<file path=ppt/slides/slide7.xml><?xml version="1.0" encoding="utf-8"?>
 <p:sld xmlns:a="http://schemas.openxmlformats.org/drawingml/2006/main" xmlns:r="http://schemas.openxmlformats.org/officeDocument/2006/relationships" xmlns:p="http://schemas.openxmlformats.org/presentationml/2006/main">
   <p:cSld>
     <p:spTree>
@@ -6632,7 +6878,7 @@
 </p:sld>
 </file>
 
-<file path=ppt/slides/slide7.xml><?xml version="1.0" encoding="utf-8"?>
+<file path=ppt/slides/slide8.xml><?xml version="1.0" encoding="utf-8"?>
 <p:sld xmlns:a="http://schemas.openxmlformats.org/drawingml/2006/main" xmlns:r="http://schemas.openxmlformats.org/officeDocument/2006/relationships" xmlns:p="http://schemas.openxmlformats.org/presentationml/2006/main">
   <p:cSld>
     <p:spTree>
@@ -6722,7 +6968,7 @@
 </p:sld>
 </file>
 
-<file path=ppt/slides/slide8.xml><?xml version="1.0" encoding="utf-8"?>
+<file path=ppt/slides/slide9.xml><?xml version="1.0" encoding="utf-8"?>
 <p:sld xmlns:a="http://schemas.openxmlformats.org/drawingml/2006/main" xmlns:r="http://schemas.openxmlformats.org/officeDocument/2006/relationships" xmlns:p="http://schemas.openxmlformats.org/presentationml/2006/main">
   <p:cSld>
     <p:spTree>
